--- a/result_presentation/java-study-presentation.pptx
+++ b/result_presentation/java-study-presentation.pptx
@@ -274,7 +274,7 @@
           <a:p>
             <a:fld id="{175A49BB-6224-4AB9-84CF-DED845E05FA0}" type="datetimeFigureOut">
               <a:rPr kumimoji="1" lang="ja-JP" altLang="en-US" smtClean="0"/>
-              <a:t>2017/9/5</a:t>
+              <a:t>2017/9/7</a:t>
             </a:fld>
             <a:endParaRPr kumimoji="1" lang="ja-JP" altLang="en-US"/>
           </a:p>
@@ -483,7 +483,7 @@
           <a:p>
             <a:fld id="{175A49BB-6224-4AB9-84CF-DED845E05FA0}" type="datetimeFigureOut">
               <a:rPr kumimoji="1" lang="ja-JP" altLang="en-US" smtClean="0"/>
-              <a:t>2017/9/5</a:t>
+              <a:t>2017/9/7</a:t>
             </a:fld>
             <a:endParaRPr kumimoji="1" lang="ja-JP" altLang="en-US"/>
           </a:p>
@@ -695,7 +695,7 @@
           <a:p>
             <a:fld id="{175A49BB-6224-4AB9-84CF-DED845E05FA0}" type="datetimeFigureOut">
               <a:rPr kumimoji="1" lang="ja-JP" altLang="en-US" smtClean="0"/>
-              <a:t>2017/9/5</a:t>
+              <a:t>2017/9/7</a:t>
             </a:fld>
             <a:endParaRPr kumimoji="1" lang="ja-JP" altLang="en-US"/>
           </a:p>
@@ -897,7 +897,7 @@
           <a:p>
             <a:fld id="{175A49BB-6224-4AB9-84CF-DED845E05FA0}" type="datetimeFigureOut">
               <a:rPr kumimoji="1" lang="ja-JP" altLang="en-US" smtClean="0"/>
-              <a:t>2017/9/5</a:t>
+              <a:t>2017/9/7</a:t>
             </a:fld>
             <a:endParaRPr kumimoji="1" lang="ja-JP" altLang="en-US"/>
           </a:p>
@@ -1150,7 +1150,7 @@
           <a:p>
             <a:fld id="{175A49BB-6224-4AB9-84CF-DED845E05FA0}" type="datetimeFigureOut">
               <a:rPr kumimoji="1" lang="ja-JP" altLang="en-US" smtClean="0"/>
-              <a:t>2017/9/5</a:t>
+              <a:t>2017/9/7</a:t>
             </a:fld>
             <a:endParaRPr kumimoji="1" lang="ja-JP" altLang="en-US"/>
           </a:p>
@@ -1453,7 +1453,7 @@
           <a:p>
             <a:fld id="{175A49BB-6224-4AB9-84CF-DED845E05FA0}" type="datetimeFigureOut">
               <a:rPr kumimoji="1" lang="ja-JP" altLang="en-US" smtClean="0"/>
-              <a:t>2017/9/5</a:t>
+              <a:t>2017/9/7</a:t>
             </a:fld>
             <a:endParaRPr kumimoji="1" lang="ja-JP" altLang="en-US"/>
           </a:p>
@@ -1891,7 +1891,7 @@
           <a:p>
             <a:fld id="{175A49BB-6224-4AB9-84CF-DED845E05FA0}" type="datetimeFigureOut">
               <a:rPr kumimoji="1" lang="ja-JP" altLang="en-US" smtClean="0"/>
-              <a:t>2017/9/5</a:t>
+              <a:t>2017/9/7</a:t>
             </a:fld>
             <a:endParaRPr kumimoji="1" lang="ja-JP" altLang="en-US"/>
           </a:p>
@@ -2009,7 +2009,7 @@
           <a:p>
             <a:fld id="{175A49BB-6224-4AB9-84CF-DED845E05FA0}" type="datetimeFigureOut">
               <a:rPr kumimoji="1" lang="ja-JP" altLang="en-US" smtClean="0"/>
-              <a:t>2017/9/5</a:t>
+              <a:t>2017/9/7</a:t>
             </a:fld>
             <a:endParaRPr kumimoji="1" lang="ja-JP" altLang="en-US"/>
           </a:p>
@@ -2104,7 +2104,7 @@
           <a:p>
             <a:fld id="{175A49BB-6224-4AB9-84CF-DED845E05FA0}" type="datetimeFigureOut">
               <a:rPr kumimoji="1" lang="ja-JP" altLang="en-US" smtClean="0"/>
-              <a:t>2017/9/5</a:t>
+              <a:t>2017/9/7</a:t>
             </a:fld>
             <a:endParaRPr kumimoji="1" lang="ja-JP" altLang="en-US"/>
           </a:p>
@@ -2413,7 +2413,7 @@
           <a:p>
             <a:fld id="{175A49BB-6224-4AB9-84CF-DED845E05FA0}" type="datetimeFigureOut">
               <a:rPr kumimoji="1" lang="ja-JP" altLang="en-US" smtClean="0"/>
-              <a:t>2017/9/5</a:t>
+              <a:t>2017/9/7</a:t>
             </a:fld>
             <a:endParaRPr kumimoji="1" lang="ja-JP" altLang="en-US"/>
           </a:p>
@@ -2666,7 +2666,7 @@
           <a:p>
             <a:fld id="{175A49BB-6224-4AB9-84CF-DED845E05FA0}" type="datetimeFigureOut">
               <a:rPr kumimoji="1" lang="ja-JP" altLang="en-US" smtClean="0"/>
-              <a:t>2017/9/5</a:t>
+              <a:t>2017/9/7</a:t>
             </a:fld>
             <a:endParaRPr kumimoji="1" lang="ja-JP" altLang="en-US"/>
           </a:p>
@@ -2914,7 +2914,7 @@
           <a:p>
             <a:fld id="{175A49BB-6224-4AB9-84CF-DED845E05FA0}" type="datetimeFigureOut">
               <a:rPr kumimoji="1" lang="ja-JP" altLang="en-US" smtClean="0"/>
-              <a:t>2017/9/5</a:t>
+              <a:t>2017/9/7</a:t>
             </a:fld>
             <a:endParaRPr kumimoji="1" lang="ja-JP" altLang="en-US"/>
           </a:p>
@@ -3346,8 +3346,8 @@
         </p:nvSpPr>
         <p:spPr>
           <a:xfrm>
-            <a:off x="903110" y="203200"/>
-            <a:ext cx="9144000" cy="5959565"/>
+            <a:off x="0" y="203200"/>
+            <a:ext cx="12191999" cy="5959565"/>
           </a:xfrm>
         </p:spPr>
         <p:txBody>
@@ -3369,32 +3369,32 @@
               <a:rPr lang="en-US" altLang="ja-JP" sz="5400" dirty="0"/>
             </a:br>
             <a:r>
-              <a:rPr lang="en-US" altLang="ja-JP" sz="5400" b="1" dirty="0" smtClean="0"/>
+              <a:rPr lang="en-US" altLang="ja-JP" b="1" dirty="0" smtClean="0"/>
               <a:t>Java</a:t>
             </a:r>
             <a:r>
-              <a:rPr lang="ja-JP" altLang="en-US" sz="5400" b="1" dirty="0" smtClean="0"/>
+              <a:rPr lang="ja-JP" altLang="en-US" b="1" dirty="0" smtClean="0"/>
               <a:t>研修 成果発表</a:t>
             </a:r>
             <a:r>
-              <a:rPr lang="en-US" altLang="ja-JP" sz="5400" b="1" dirty="0" smtClean="0"/>
+              <a:rPr lang="en-US" altLang="ja-JP" b="1" dirty="0" smtClean="0"/>
               <a:t/>
             </a:r>
             <a:br>
-              <a:rPr lang="en-US" altLang="ja-JP" sz="5400" b="1" dirty="0" smtClean="0"/>
+              <a:rPr lang="en-US" altLang="ja-JP" b="1" dirty="0" smtClean="0"/>
             </a:br>
             <a:r>
-              <a:rPr lang="en-US" altLang="ja-JP" sz="5400" b="1" dirty="0"/>
+              <a:rPr lang="en-US" altLang="ja-JP" b="1" dirty="0"/>
               <a:t/>
             </a:r>
             <a:br>
-              <a:rPr lang="en-US" altLang="ja-JP" sz="5400" b="1" dirty="0"/>
+              <a:rPr lang="en-US" altLang="ja-JP" b="1" dirty="0"/>
             </a:br>
             <a:r>
-              <a:rPr lang="ja-JP" altLang="en-US" sz="5400" dirty="0" smtClean="0"/>
+              <a:rPr lang="ja-JP" altLang="en-US" dirty="0" smtClean="0"/>
               <a:t>池田 旭伸</a:t>
             </a:r>
-            <a:endParaRPr lang="ja-JP" altLang="en-US" sz="5400" dirty="0"/>
+            <a:endParaRPr lang="ja-JP" altLang="en-US" dirty="0"/>
           </a:p>
         </p:txBody>
       </p:sp>
@@ -5195,6 +5195,9 @@
                     <p:cTn id="3" fill="hold">
                       <p:stCondLst>
                         <p:cond delay="indefinite"/>
+                        <p:cond evt="onBegin" delay="0">
+                          <p:tn val="2"/>
+                        </p:cond>
                       </p:stCondLst>
                       <p:childTnLst>
                         <p:par>
@@ -5204,7 +5207,7 @@
                             </p:stCondLst>
                             <p:childTnLst>
                               <p:par>
-                                <p:cTn id="5" presetID="10" presetClass="entr" presetSubtype="0" fill="hold" grpId="0" nodeType="clickEffect">
+                                <p:cTn id="5" presetID="10" presetClass="entr" presetSubtype="0" fill="hold" grpId="0" nodeType="withEffect">
                                   <p:stCondLst>
                                     <p:cond delay="0"/>
                                   </p:stCondLst>
@@ -5523,88 +5526,9 @@
   <p:timing>
     <p:tnLst>
       <p:par>
-        <p:cTn id="1" dur="indefinite" restart="never" nodeType="tmRoot">
-          <p:childTnLst>
-            <p:seq concurrent="1" nextAc="seek">
-              <p:cTn id="2" dur="indefinite" nodeType="mainSeq">
-                <p:childTnLst>
-                  <p:par>
-                    <p:cTn id="3" fill="hold">
-                      <p:stCondLst>
-                        <p:cond delay="indefinite"/>
-                      </p:stCondLst>
-                      <p:childTnLst>
-                        <p:par>
-                          <p:cTn id="4" fill="hold">
-                            <p:stCondLst>
-                              <p:cond delay="0"/>
-                            </p:stCondLst>
-                            <p:childTnLst>
-                              <p:par>
-                                <p:cTn id="5" presetID="10" presetClass="entr" presetSubtype="0" fill="hold" grpId="0" nodeType="clickEffect">
-                                  <p:stCondLst>
-                                    <p:cond delay="0"/>
-                                  </p:stCondLst>
-                                  <p:childTnLst>
-                                    <p:set>
-                                      <p:cBhvr>
-                                        <p:cTn id="6" dur="1" fill="hold">
-                                          <p:stCondLst>
-                                            <p:cond delay="0"/>
-                                          </p:stCondLst>
-                                        </p:cTn>
-                                        <p:tgtEl>
-                                          <p:spTgt spid="2"/>
-                                        </p:tgtEl>
-                                        <p:attrNameLst>
-                                          <p:attrName>style.visibility</p:attrName>
-                                        </p:attrNameLst>
-                                      </p:cBhvr>
-                                      <p:to>
-                                        <p:strVal val="visible"/>
-                                      </p:to>
-                                    </p:set>
-                                    <p:animEffect transition="in" filter="fade">
-                                      <p:cBhvr>
-                                        <p:cTn id="7" dur="500"/>
-                                        <p:tgtEl>
-                                          <p:spTgt spid="2"/>
-                                        </p:tgtEl>
-                                      </p:cBhvr>
-                                    </p:animEffect>
-                                  </p:childTnLst>
-                                </p:cTn>
-                              </p:par>
-                            </p:childTnLst>
-                          </p:cTn>
-                        </p:par>
-                      </p:childTnLst>
-                    </p:cTn>
-                  </p:par>
-                </p:childTnLst>
-              </p:cTn>
-              <p:prevCondLst>
-                <p:cond evt="onPrev" delay="0">
-                  <p:tgtEl>
-                    <p:sldTgt/>
-                  </p:tgtEl>
-                </p:cond>
-              </p:prevCondLst>
-              <p:nextCondLst>
-                <p:cond evt="onNext" delay="0">
-                  <p:tgtEl>
-                    <p:sldTgt/>
-                  </p:tgtEl>
-                </p:cond>
-              </p:nextCondLst>
-            </p:seq>
-          </p:childTnLst>
-        </p:cTn>
+        <p:cTn id="1" dur="indefinite" restart="never" nodeType="tmRoot"/>
       </p:par>
     </p:tnLst>
-    <p:bldLst>
-      <p:bldP spid="2" grpId="0"/>
-    </p:bldLst>
   </p:timing>
 </p:sld>
 </file>
@@ -6020,88 +5944,9 @@
   <p:timing>
     <p:tnLst>
       <p:par>
-        <p:cTn id="1" dur="indefinite" restart="never" nodeType="tmRoot">
-          <p:childTnLst>
-            <p:seq concurrent="1" nextAc="seek">
-              <p:cTn id="2" dur="indefinite" nodeType="mainSeq">
-                <p:childTnLst>
-                  <p:par>
-                    <p:cTn id="3" fill="hold">
-                      <p:stCondLst>
-                        <p:cond delay="indefinite"/>
-                      </p:stCondLst>
-                      <p:childTnLst>
-                        <p:par>
-                          <p:cTn id="4" fill="hold">
-                            <p:stCondLst>
-                              <p:cond delay="0"/>
-                            </p:stCondLst>
-                            <p:childTnLst>
-                              <p:par>
-                                <p:cTn id="5" presetID="10" presetClass="entr" presetSubtype="0" fill="hold" grpId="0" nodeType="clickEffect">
-                                  <p:stCondLst>
-                                    <p:cond delay="0"/>
-                                  </p:stCondLst>
-                                  <p:childTnLst>
-                                    <p:set>
-                                      <p:cBhvr>
-                                        <p:cTn id="6" dur="1" fill="hold">
-                                          <p:stCondLst>
-                                            <p:cond delay="0"/>
-                                          </p:stCondLst>
-                                        </p:cTn>
-                                        <p:tgtEl>
-                                          <p:spTgt spid="5"/>
-                                        </p:tgtEl>
-                                        <p:attrNameLst>
-                                          <p:attrName>style.visibility</p:attrName>
-                                        </p:attrNameLst>
-                                      </p:cBhvr>
-                                      <p:to>
-                                        <p:strVal val="visible"/>
-                                      </p:to>
-                                    </p:set>
-                                    <p:animEffect transition="in" filter="fade">
-                                      <p:cBhvr>
-                                        <p:cTn id="7" dur="500"/>
-                                        <p:tgtEl>
-                                          <p:spTgt spid="5"/>
-                                        </p:tgtEl>
-                                      </p:cBhvr>
-                                    </p:animEffect>
-                                  </p:childTnLst>
-                                </p:cTn>
-                              </p:par>
-                            </p:childTnLst>
-                          </p:cTn>
-                        </p:par>
-                      </p:childTnLst>
-                    </p:cTn>
-                  </p:par>
-                </p:childTnLst>
-              </p:cTn>
-              <p:prevCondLst>
-                <p:cond evt="onPrev" delay="0">
-                  <p:tgtEl>
-                    <p:sldTgt/>
-                  </p:tgtEl>
-                </p:cond>
-              </p:prevCondLst>
-              <p:nextCondLst>
-                <p:cond evt="onNext" delay="0">
-                  <p:tgtEl>
-                    <p:sldTgt/>
-                  </p:tgtEl>
-                </p:cond>
-              </p:nextCondLst>
-            </p:seq>
-          </p:childTnLst>
-        </p:cTn>
+        <p:cTn id="1" dur="indefinite" restart="never" nodeType="tmRoot"/>
       </p:par>
     </p:tnLst>
-    <p:bldLst>
-      <p:bldP spid="5" grpId="0"/>
-    </p:bldLst>
   </p:timing>
 </p:sld>
 </file>
@@ -7455,88 +7300,9 @@
   <p:timing>
     <p:tnLst>
       <p:par>
-        <p:cTn id="1" dur="indefinite" restart="never" nodeType="tmRoot">
-          <p:childTnLst>
-            <p:seq concurrent="1" nextAc="seek">
-              <p:cTn id="2" dur="indefinite" nodeType="mainSeq">
-                <p:childTnLst>
-                  <p:par>
-                    <p:cTn id="3" fill="hold">
-                      <p:stCondLst>
-                        <p:cond delay="indefinite"/>
-                      </p:stCondLst>
-                      <p:childTnLst>
-                        <p:par>
-                          <p:cTn id="4" fill="hold">
-                            <p:stCondLst>
-                              <p:cond delay="0"/>
-                            </p:stCondLst>
-                            <p:childTnLst>
-                              <p:par>
-                                <p:cTn id="5" presetID="10" presetClass="entr" presetSubtype="0" fill="hold" grpId="0" nodeType="clickEffect">
-                                  <p:stCondLst>
-                                    <p:cond delay="0"/>
-                                  </p:stCondLst>
-                                  <p:childTnLst>
-                                    <p:set>
-                                      <p:cBhvr>
-                                        <p:cTn id="6" dur="1" fill="hold">
-                                          <p:stCondLst>
-                                            <p:cond delay="0"/>
-                                          </p:stCondLst>
-                                        </p:cTn>
-                                        <p:tgtEl>
-                                          <p:spTgt spid="5"/>
-                                        </p:tgtEl>
-                                        <p:attrNameLst>
-                                          <p:attrName>style.visibility</p:attrName>
-                                        </p:attrNameLst>
-                                      </p:cBhvr>
-                                      <p:to>
-                                        <p:strVal val="visible"/>
-                                      </p:to>
-                                    </p:set>
-                                    <p:animEffect transition="in" filter="fade">
-                                      <p:cBhvr>
-                                        <p:cTn id="7" dur="500"/>
-                                        <p:tgtEl>
-                                          <p:spTgt spid="5"/>
-                                        </p:tgtEl>
-                                      </p:cBhvr>
-                                    </p:animEffect>
-                                  </p:childTnLst>
-                                </p:cTn>
-                              </p:par>
-                            </p:childTnLst>
-                          </p:cTn>
-                        </p:par>
-                      </p:childTnLst>
-                    </p:cTn>
-                  </p:par>
-                </p:childTnLst>
-              </p:cTn>
-              <p:prevCondLst>
-                <p:cond evt="onPrev" delay="0">
-                  <p:tgtEl>
-                    <p:sldTgt/>
-                  </p:tgtEl>
-                </p:cond>
-              </p:prevCondLst>
-              <p:nextCondLst>
-                <p:cond evt="onNext" delay="0">
-                  <p:tgtEl>
-                    <p:sldTgt/>
-                  </p:tgtEl>
-                </p:cond>
-              </p:nextCondLst>
-            </p:seq>
-          </p:childTnLst>
-        </p:cTn>
+        <p:cTn id="1" dur="indefinite" restart="never" nodeType="tmRoot"/>
       </p:par>
     </p:tnLst>
-    <p:bldLst>
-      <p:bldP spid="5" grpId="0"/>
-    </p:bldLst>
   </p:timing>
 </p:sld>
 </file>
@@ -8730,15 +8496,7 @@
                   <a:srgbClr val="FFFFFF"/>
                 </a:solidFill>
               </a:rPr>
-              <a:t>達して</a:t>
-            </a:r>
-            <a:r>
-              <a:rPr lang="ja-JP" altLang="en-US" sz="6600" dirty="0" smtClean="0">
-                <a:solidFill>
-                  <a:srgbClr val="FFFFFF"/>
-                </a:solidFill>
-              </a:rPr>
-              <a:t>ないだけでした</a:t>
+              <a:t>達してないだけでした</a:t>
             </a:r>
             <a:endParaRPr lang="en-US" altLang="ja-JP" sz="6600" dirty="0" smtClean="0">
               <a:solidFill>
@@ -9466,196 +9224,9 @@
   <p:timing>
     <p:tnLst>
       <p:par>
-        <p:cTn id="1" dur="indefinite" restart="never" nodeType="tmRoot">
-          <p:childTnLst>
-            <p:seq concurrent="1" nextAc="seek">
-              <p:cTn id="2" dur="indefinite" nodeType="mainSeq">
-                <p:childTnLst>
-                  <p:par>
-                    <p:cTn id="3" fill="hold">
-                      <p:stCondLst>
-                        <p:cond delay="indefinite"/>
-                      </p:stCondLst>
-                      <p:childTnLst>
-                        <p:par>
-                          <p:cTn id="4" fill="hold">
-                            <p:stCondLst>
-                              <p:cond delay="0"/>
-                            </p:stCondLst>
-                            <p:childTnLst>
-                              <p:par>
-                                <p:cTn id="5" presetID="10" presetClass="entr" presetSubtype="0" fill="hold" grpId="0" nodeType="clickEffect">
-                                  <p:stCondLst>
-                                    <p:cond delay="0"/>
-                                  </p:stCondLst>
-                                  <p:childTnLst>
-                                    <p:set>
-                                      <p:cBhvr>
-                                        <p:cTn id="6" dur="1" fill="hold">
-                                          <p:stCondLst>
-                                            <p:cond delay="0"/>
-                                          </p:stCondLst>
-                                        </p:cTn>
-                                        <p:tgtEl>
-                                          <p:spTgt spid="9"/>
-                                        </p:tgtEl>
-                                        <p:attrNameLst>
-                                          <p:attrName>style.visibility</p:attrName>
-                                        </p:attrNameLst>
-                                      </p:cBhvr>
-                                      <p:to>
-                                        <p:strVal val="visible"/>
-                                      </p:to>
-                                    </p:set>
-                                    <p:animEffect transition="in" filter="fade">
-                                      <p:cBhvr>
-                                        <p:cTn id="7" dur="500"/>
-                                        <p:tgtEl>
-                                          <p:spTgt spid="9"/>
-                                        </p:tgtEl>
-                                      </p:cBhvr>
-                                    </p:animEffect>
-                                  </p:childTnLst>
-                                </p:cTn>
-                              </p:par>
-                            </p:childTnLst>
-                          </p:cTn>
-                        </p:par>
-                      </p:childTnLst>
-                    </p:cTn>
-                  </p:par>
-                  <p:par>
-                    <p:cTn id="8" fill="hold">
-                      <p:stCondLst>
-                        <p:cond delay="indefinite"/>
-                      </p:stCondLst>
-                      <p:childTnLst>
-                        <p:par>
-                          <p:cTn id="9" fill="hold">
-                            <p:stCondLst>
-                              <p:cond delay="0"/>
-                            </p:stCondLst>
-                            <p:childTnLst>
-                              <p:par>
-                                <p:cTn id="10" presetID="10" presetClass="entr" presetSubtype="0" fill="hold" grpId="0" nodeType="clickEffect">
-                                  <p:stCondLst>
-                                    <p:cond delay="0"/>
-                                  </p:stCondLst>
-                                  <p:childTnLst>
-                                    <p:set>
-                                      <p:cBhvr>
-                                        <p:cTn id="11" dur="1" fill="hold">
-                                          <p:stCondLst>
-                                            <p:cond delay="0"/>
-                                          </p:stCondLst>
-                                        </p:cTn>
-                                        <p:tgtEl>
-                                          <p:spTgt spid="10"/>
-                                        </p:tgtEl>
-                                        <p:attrNameLst>
-                                          <p:attrName>style.visibility</p:attrName>
-                                        </p:attrNameLst>
-                                      </p:cBhvr>
-                                      <p:to>
-                                        <p:strVal val="visible"/>
-                                      </p:to>
-                                    </p:set>
-                                    <p:animEffect transition="in" filter="fade">
-                                      <p:cBhvr>
-                                        <p:cTn id="12" dur="500"/>
-                                        <p:tgtEl>
-                                          <p:spTgt spid="10"/>
-                                        </p:tgtEl>
-                                      </p:cBhvr>
-                                    </p:animEffect>
-                                  </p:childTnLst>
-                                </p:cTn>
-                              </p:par>
-                            </p:childTnLst>
-                          </p:cTn>
-                        </p:par>
-                      </p:childTnLst>
-                    </p:cTn>
-                  </p:par>
-                  <p:par>
-                    <p:cTn id="13" fill="hold">
-                      <p:stCondLst>
-                        <p:cond delay="indefinite"/>
-                      </p:stCondLst>
-                      <p:childTnLst>
-                        <p:par>
-                          <p:cTn id="14" fill="hold">
-                            <p:stCondLst>
-                              <p:cond delay="0"/>
-                            </p:stCondLst>
-                            <p:childTnLst>
-                              <p:par>
-                                <p:cTn id="15" presetID="10" presetClass="entr" presetSubtype="0" fill="hold" grpId="0" nodeType="clickEffect">
-                                  <p:stCondLst>
-                                    <p:cond delay="0"/>
-                                  </p:stCondLst>
-                                  <p:childTnLst>
-                                    <p:set>
-                                      <p:cBhvr>
-                                        <p:cTn id="16" dur="1" fill="hold">
-                                          <p:stCondLst>
-                                            <p:cond delay="0"/>
-                                          </p:stCondLst>
-                                        </p:cTn>
-                                        <p:tgtEl>
-                                          <p:spTgt spid="11"/>
-                                        </p:tgtEl>
-                                        <p:attrNameLst>
-                                          <p:attrName>style.visibility</p:attrName>
-                                        </p:attrNameLst>
-                                      </p:cBhvr>
-                                      <p:to>
-                                        <p:strVal val="visible"/>
-                                      </p:to>
-                                    </p:set>
-                                    <p:animEffect transition="in" filter="fade">
-                                      <p:cBhvr>
-                                        <p:cTn id="17" dur="500"/>
-                                        <p:tgtEl>
-                                          <p:spTgt spid="11"/>
-                                        </p:tgtEl>
-                                      </p:cBhvr>
-                                    </p:animEffect>
-                                  </p:childTnLst>
-                                </p:cTn>
-                              </p:par>
-                            </p:childTnLst>
-                          </p:cTn>
-                        </p:par>
-                      </p:childTnLst>
-                    </p:cTn>
-                  </p:par>
-                </p:childTnLst>
-              </p:cTn>
-              <p:prevCondLst>
-                <p:cond evt="onPrev" delay="0">
-                  <p:tgtEl>
-                    <p:sldTgt/>
-                  </p:tgtEl>
-                </p:cond>
-              </p:prevCondLst>
-              <p:nextCondLst>
-                <p:cond evt="onNext" delay="0">
-                  <p:tgtEl>
-                    <p:sldTgt/>
-                  </p:tgtEl>
-                </p:cond>
-              </p:nextCondLst>
-            </p:seq>
-          </p:childTnLst>
-        </p:cTn>
+        <p:cTn id="1" dur="indefinite" restart="never" nodeType="tmRoot"/>
       </p:par>
     </p:tnLst>
-    <p:bldLst>
-      <p:bldP spid="9" grpId="0" animBg="1"/>
-      <p:bldP spid="10" grpId="0" animBg="1"/>
-      <p:bldP spid="11" grpId="0" animBg="1"/>
-    </p:bldLst>
   </p:timing>
 </p:sld>
 </file>
@@ -9693,7 +9264,7 @@
         </p:nvSpPr>
         <p:spPr>
           <a:xfrm>
-            <a:off x="1216634" y="1330535"/>
+            <a:off x="1802788" y="1330535"/>
             <a:ext cx="2343955" cy="2395471"/>
           </a:xfrm>
           <a:prstGeom prst="ellipse">
@@ -9829,8 +9400,8 @@
         </p:nvSpPr>
         <p:spPr>
           <a:xfrm rot="5400000">
-            <a:off x="4657008" y="2198648"/>
-            <a:ext cx="1070564" cy="1041042"/>
+            <a:off x="4682719" y="1848919"/>
+            <a:ext cx="1486675" cy="1634413"/>
           </a:xfrm>
           <a:prstGeom prst="upDownArrow">
             <a:avLst>
@@ -9988,11 +9559,7 @@
             <a:pPr algn="ctr"/>
             <a:r>
               <a:rPr kumimoji="1" lang="ja-JP" altLang="en-US" sz="2800" dirty="0" smtClean="0"/>
-              <a:t>任された</a:t>
-            </a:r>
-            <a:r>
-              <a:rPr kumimoji="1" lang="ja-JP" altLang="en-US" sz="2800" dirty="0" smtClean="0"/>
-              <a:t>！</a:t>
+              <a:t>任された！</a:t>
             </a:r>
             <a:endParaRPr kumimoji="1" lang="ja-JP" altLang="en-US" sz="2800" dirty="0"/>
           </a:p>
@@ -10045,23 +9612,15 @@
             <a:pPr algn="ctr"/>
             <a:r>
               <a:rPr lang="ja-JP" altLang="en-US" sz="2800" dirty="0" smtClean="0"/>
-              <a:t>技術</a:t>
-            </a:r>
+              <a:t>技術向上</a:t>
+            </a:r>
+            <a:endParaRPr lang="en-US" altLang="ja-JP" sz="2800" dirty="0" smtClean="0"/>
+          </a:p>
+          <a:p>
+            <a:pPr algn="ctr"/>
             <a:r>
               <a:rPr lang="ja-JP" altLang="en-US" sz="2800" dirty="0" smtClean="0"/>
-              <a:t>向上</a:t>
-            </a:r>
-            <a:endParaRPr lang="en-US" altLang="ja-JP" sz="2800" dirty="0" smtClean="0"/>
-          </a:p>
-          <a:p>
-            <a:pPr algn="ctr"/>
-            <a:r>
-              <a:rPr lang="ja-JP" altLang="en-US" sz="2800" dirty="0" smtClean="0"/>
-              <a:t>うれしい</a:t>
-            </a:r>
-            <a:r>
-              <a:rPr lang="ja-JP" altLang="en-US" sz="2800" dirty="0" smtClean="0"/>
-              <a:t>！</a:t>
+              <a:t>うれしい！</a:t>
             </a:r>
             <a:endParaRPr kumimoji="1" lang="ja-JP" altLang="en-US" sz="2800" dirty="0"/>
           </a:p>
@@ -10130,58 +9689,6 @@
       </p:sp>
       <p:sp>
         <p:nvSpPr>
-          <p:cNvPr id="20" name="右カーブ矢印 19"/>
-          <p:cNvSpPr/>
-          <p:nvPr/>
-        </p:nvSpPr>
-        <p:spPr>
-          <a:xfrm rot="14551640" flipV="1">
-            <a:off x="5119112" y="2882317"/>
-            <a:ext cx="737881" cy="3528348"/>
-          </a:xfrm>
-          <a:prstGeom prst="curvedRightArrow">
-            <a:avLst/>
-          </a:prstGeom>
-          <a:solidFill>
-            <a:schemeClr val="bg1"/>
-          </a:solidFill>
-          <a:ln>
-            <a:solidFill>
-              <a:srgbClr val="CE3232"/>
-            </a:solidFill>
-          </a:ln>
-        </p:spPr>
-        <p:style>
-          <a:lnRef idx="2">
-            <a:schemeClr val="accent1">
-              <a:shade val="50000"/>
-            </a:schemeClr>
-          </a:lnRef>
-          <a:fillRef idx="1">
-            <a:schemeClr val="accent1"/>
-          </a:fillRef>
-          <a:effectRef idx="0">
-            <a:schemeClr val="accent1"/>
-          </a:effectRef>
-          <a:fontRef idx="minor">
-            <a:schemeClr val="lt1"/>
-          </a:fontRef>
-        </p:style>
-        <p:txBody>
-          <a:bodyPr rtlCol="0" anchor="ctr"/>
-          <a:lstStyle/>
-          <a:p>
-            <a:pPr algn="ctr"/>
-            <a:endParaRPr kumimoji="1" lang="ja-JP" altLang="en-US">
-              <a:solidFill>
-                <a:schemeClr val="tx1"/>
-              </a:solidFill>
-            </a:endParaRPr>
-          </a:p>
-        </p:txBody>
-      </p:sp>
-      <p:sp>
-        <p:nvSpPr>
           <p:cNvPr id="21" name="円/楕円 20"/>
           <p:cNvSpPr/>
           <p:nvPr/>
@@ -10405,11 +9912,6 @@
               </a:rPr>
               <a:t>!</a:t>
             </a:r>
-            <a:endParaRPr lang="en-US" altLang="ja-JP" sz="4400" dirty="0" smtClean="0">
-              <a:solidFill>
-                <a:srgbClr val="FFFFFF"/>
-              </a:solidFill>
-            </a:endParaRPr>
           </a:p>
         </p:txBody>
       </p:sp>
@@ -10600,6 +10102,58 @@
           </a:p>
         </p:txBody>
       </p:sp>
+      <p:sp>
+        <p:nvSpPr>
+          <p:cNvPr id="20" name="右カーブ矢印 19"/>
+          <p:cNvSpPr/>
+          <p:nvPr/>
+        </p:nvSpPr>
+        <p:spPr>
+          <a:xfrm rot="14551640" flipV="1">
+            <a:off x="5468764" y="2883750"/>
+            <a:ext cx="737881" cy="3528348"/>
+          </a:xfrm>
+          <a:prstGeom prst="curvedRightArrow">
+            <a:avLst/>
+          </a:prstGeom>
+          <a:solidFill>
+            <a:schemeClr val="bg1"/>
+          </a:solidFill>
+          <a:ln>
+            <a:solidFill>
+              <a:srgbClr val="CE3232"/>
+            </a:solidFill>
+          </a:ln>
+        </p:spPr>
+        <p:style>
+          <a:lnRef idx="2">
+            <a:schemeClr val="accent1">
+              <a:shade val="50000"/>
+            </a:schemeClr>
+          </a:lnRef>
+          <a:fillRef idx="1">
+            <a:schemeClr val="accent1"/>
+          </a:fillRef>
+          <a:effectRef idx="0">
+            <a:schemeClr val="accent1"/>
+          </a:effectRef>
+          <a:fontRef idx="minor">
+            <a:schemeClr val="lt1"/>
+          </a:fontRef>
+        </p:style>
+        <p:txBody>
+          <a:bodyPr rtlCol="0" anchor="ctr"/>
+          <a:lstStyle/>
+          <a:p>
+            <a:pPr algn="ctr"/>
+            <a:endParaRPr kumimoji="1" lang="ja-JP" altLang="en-US">
+              <a:solidFill>
+                <a:schemeClr val="tx1"/>
+              </a:solidFill>
+            </a:endParaRPr>
+          </a:p>
+        </p:txBody>
+      </p:sp>
     </p:spTree>
     <p:extLst>
       <p:ext uri="{BB962C8B-B14F-4D97-AF65-F5344CB8AC3E}">
@@ -10613,412 +10167,9 @@
   <p:timing>
     <p:tnLst>
       <p:par>
-        <p:cTn id="1" dur="indefinite" restart="never" nodeType="tmRoot">
-          <p:childTnLst>
-            <p:seq concurrent="1" nextAc="seek">
-              <p:cTn id="2" dur="indefinite" nodeType="mainSeq">
-                <p:childTnLst>
-                  <p:par>
-                    <p:cTn id="3" fill="hold">
-                      <p:stCondLst>
-                        <p:cond delay="indefinite"/>
-                      </p:stCondLst>
-                      <p:childTnLst>
-                        <p:par>
-                          <p:cTn id="4" fill="hold">
-                            <p:stCondLst>
-                              <p:cond delay="0"/>
-                            </p:stCondLst>
-                            <p:childTnLst>
-                              <p:par>
-                                <p:cTn id="5" presetID="10" presetClass="entr" presetSubtype="0" fill="hold" grpId="0" nodeType="clickEffect">
-                                  <p:stCondLst>
-                                    <p:cond delay="0"/>
-                                  </p:stCondLst>
-                                  <p:childTnLst>
-                                    <p:set>
-                                      <p:cBhvr>
-                                        <p:cTn id="6" dur="1" fill="hold">
-                                          <p:stCondLst>
-                                            <p:cond delay="0"/>
-                                          </p:stCondLst>
-                                        </p:cTn>
-                                        <p:tgtEl>
-                                          <p:spTgt spid="17"/>
-                                        </p:tgtEl>
-                                        <p:attrNameLst>
-                                          <p:attrName>style.visibility</p:attrName>
-                                        </p:attrNameLst>
-                                      </p:cBhvr>
-                                      <p:to>
-                                        <p:strVal val="visible"/>
-                                      </p:to>
-                                    </p:set>
-                                    <p:animEffect transition="in" filter="fade">
-                                      <p:cBhvr>
-                                        <p:cTn id="7" dur="500"/>
-                                        <p:tgtEl>
-                                          <p:spTgt spid="17"/>
-                                        </p:tgtEl>
-                                      </p:cBhvr>
-                                    </p:animEffect>
-                                  </p:childTnLst>
-                                </p:cTn>
-                              </p:par>
-                            </p:childTnLst>
-                          </p:cTn>
-                        </p:par>
-                      </p:childTnLst>
-                    </p:cTn>
-                  </p:par>
-                  <p:par>
-                    <p:cTn id="8" fill="hold">
-                      <p:stCondLst>
-                        <p:cond delay="indefinite"/>
-                      </p:stCondLst>
-                      <p:childTnLst>
-                        <p:par>
-                          <p:cTn id="9" fill="hold">
-                            <p:stCondLst>
-                              <p:cond delay="0"/>
-                            </p:stCondLst>
-                            <p:childTnLst>
-                              <p:par>
-                                <p:cTn id="10" presetID="10" presetClass="entr" presetSubtype="0" fill="hold" grpId="0" nodeType="clickEffect">
-                                  <p:stCondLst>
-                                    <p:cond delay="0"/>
-                                  </p:stCondLst>
-                                  <p:childTnLst>
-                                    <p:set>
-                                      <p:cBhvr>
-                                        <p:cTn id="11" dur="1" fill="hold">
-                                          <p:stCondLst>
-                                            <p:cond delay="0"/>
-                                          </p:stCondLst>
-                                        </p:cTn>
-                                        <p:tgtEl>
-                                          <p:spTgt spid="16"/>
-                                        </p:tgtEl>
-                                        <p:attrNameLst>
-                                          <p:attrName>style.visibility</p:attrName>
-                                        </p:attrNameLst>
-                                      </p:cBhvr>
-                                      <p:to>
-                                        <p:strVal val="visible"/>
-                                      </p:to>
-                                    </p:set>
-                                    <p:animEffect transition="in" filter="fade">
-                                      <p:cBhvr>
-                                        <p:cTn id="12" dur="500"/>
-                                        <p:tgtEl>
-                                          <p:spTgt spid="16"/>
-                                        </p:tgtEl>
-                                      </p:cBhvr>
-                                    </p:animEffect>
-                                  </p:childTnLst>
-                                </p:cTn>
-                              </p:par>
-                            </p:childTnLst>
-                          </p:cTn>
-                        </p:par>
-                      </p:childTnLst>
-                    </p:cTn>
-                  </p:par>
-                  <p:par>
-                    <p:cTn id="13" fill="hold">
-                      <p:stCondLst>
-                        <p:cond delay="indefinite"/>
-                      </p:stCondLst>
-                      <p:childTnLst>
-                        <p:par>
-                          <p:cTn id="14" fill="hold">
-                            <p:stCondLst>
-                              <p:cond delay="0"/>
-                            </p:stCondLst>
-                            <p:childTnLst>
-                              <p:par>
-                                <p:cTn id="15" presetID="10" presetClass="entr" presetSubtype="0" fill="hold" grpId="0" nodeType="clickEffect">
-                                  <p:stCondLst>
-                                    <p:cond delay="0"/>
-                                  </p:stCondLst>
-                                  <p:childTnLst>
-                                    <p:set>
-                                      <p:cBhvr>
-                                        <p:cTn id="16" dur="1" fill="hold">
-                                          <p:stCondLst>
-                                            <p:cond delay="0"/>
-                                          </p:stCondLst>
-                                        </p:cTn>
-                                        <p:tgtEl>
-                                          <p:spTgt spid="19"/>
-                                        </p:tgtEl>
-                                        <p:attrNameLst>
-                                          <p:attrName>style.visibility</p:attrName>
-                                        </p:attrNameLst>
-                                      </p:cBhvr>
-                                      <p:to>
-                                        <p:strVal val="visible"/>
-                                      </p:to>
-                                    </p:set>
-                                    <p:animEffect transition="in" filter="fade">
-                                      <p:cBhvr>
-                                        <p:cTn id="17" dur="500"/>
-                                        <p:tgtEl>
-                                          <p:spTgt spid="19"/>
-                                        </p:tgtEl>
-                                      </p:cBhvr>
-                                    </p:animEffect>
-                                  </p:childTnLst>
-                                </p:cTn>
-                              </p:par>
-                            </p:childTnLst>
-                          </p:cTn>
-                        </p:par>
-                      </p:childTnLst>
-                    </p:cTn>
-                  </p:par>
-                  <p:par>
-                    <p:cTn id="18" fill="hold">
-                      <p:stCondLst>
-                        <p:cond delay="indefinite"/>
-                      </p:stCondLst>
-                      <p:childTnLst>
-                        <p:par>
-                          <p:cTn id="19" fill="hold">
-                            <p:stCondLst>
-                              <p:cond delay="0"/>
-                            </p:stCondLst>
-                            <p:childTnLst>
-                              <p:par>
-                                <p:cTn id="20" presetID="10" presetClass="entr" presetSubtype="0" fill="hold" grpId="0" nodeType="clickEffect">
-                                  <p:stCondLst>
-                                    <p:cond delay="0"/>
-                                  </p:stCondLst>
-                                  <p:childTnLst>
-                                    <p:set>
-                                      <p:cBhvr>
-                                        <p:cTn id="21" dur="1" fill="hold">
-                                          <p:stCondLst>
-                                            <p:cond delay="0"/>
-                                          </p:stCondLst>
-                                        </p:cTn>
-                                        <p:tgtEl>
-                                          <p:spTgt spid="18"/>
-                                        </p:tgtEl>
-                                        <p:attrNameLst>
-                                          <p:attrName>style.visibility</p:attrName>
-                                        </p:attrNameLst>
-                                      </p:cBhvr>
-                                      <p:to>
-                                        <p:strVal val="visible"/>
-                                      </p:to>
-                                    </p:set>
-                                    <p:animEffect transition="in" filter="fade">
-                                      <p:cBhvr>
-                                        <p:cTn id="22" dur="500"/>
-                                        <p:tgtEl>
-                                          <p:spTgt spid="18"/>
-                                        </p:tgtEl>
-                                      </p:cBhvr>
-                                    </p:animEffect>
-                                  </p:childTnLst>
-                                </p:cTn>
-                              </p:par>
-                            </p:childTnLst>
-                          </p:cTn>
-                        </p:par>
-                      </p:childTnLst>
-                    </p:cTn>
-                  </p:par>
-                  <p:par>
-                    <p:cTn id="23" fill="hold">
-                      <p:stCondLst>
-                        <p:cond delay="indefinite"/>
-                      </p:stCondLst>
-                      <p:childTnLst>
-                        <p:par>
-                          <p:cTn id="24" fill="hold">
-                            <p:stCondLst>
-                              <p:cond delay="0"/>
-                            </p:stCondLst>
-                            <p:childTnLst>
-                              <p:par>
-                                <p:cTn id="25" presetID="10" presetClass="entr" presetSubtype="0" fill="hold" grpId="0" nodeType="clickEffect">
-                                  <p:stCondLst>
-                                    <p:cond delay="0"/>
-                                  </p:stCondLst>
-                                  <p:childTnLst>
-                                    <p:set>
-                                      <p:cBhvr>
-                                        <p:cTn id="26" dur="1" fill="hold">
-                                          <p:stCondLst>
-                                            <p:cond delay="0"/>
-                                          </p:stCondLst>
-                                        </p:cTn>
-                                        <p:tgtEl>
-                                          <p:spTgt spid="25"/>
-                                        </p:tgtEl>
-                                        <p:attrNameLst>
-                                          <p:attrName>style.visibility</p:attrName>
-                                        </p:attrNameLst>
-                                      </p:cBhvr>
-                                      <p:to>
-                                        <p:strVal val="visible"/>
-                                      </p:to>
-                                    </p:set>
-                                    <p:animEffect transition="in" filter="fade">
-                                      <p:cBhvr>
-                                        <p:cTn id="27" dur="500"/>
-                                        <p:tgtEl>
-                                          <p:spTgt spid="25"/>
-                                        </p:tgtEl>
-                                      </p:cBhvr>
-                                    </p:animEffect>
-                                  </p:childTnLst>
-                                </p:cTn>
-                              </p:par>
-                            </p:childTnLst>
-                          </p:cTn>
-                        </p:par>
-                      </p:childTnLst>
-                    </p:cTn>
-                  </p:par>
-                  <p:par>
-                    <p:cTn id="28" fill="hold">
-                      <p:stCondLst>
-                        <p:cond delay="indefinite"/>
-                      </p:stCondLst>
-                      <p:childTnLst>
-                        <p:par>
-                          <p:cTn id="29" fill="hold">
-                            <p:stCondLst>
-                              <p:cond delay="0"/>
-                            </p:stCondLst>
-                            <p:childTnLst>
-                              <p:par>
-                                <p:cTn id="30" presetID="10" presetClass="entr" presetSubtype="0" fill="hold" grpId="0" nodeType="clickEffect">
-                                  <p:stCondLst>
-                                    <p:cond delay="0"/>
-                                  </p:stCondLst>
-                                  <p:childTnLst>
-                                    <p:set>
-                                      <p:cBhvr>
-                                        <p:cTn id="31" dur="1" fill="hold">
-                                          <p:stCondLst>
-                                            <p:cond delay="0"/>
-                                          </p:stCondLst>
-                                        </p:cTn>
-                                        <p:tgtEl>
-                                          <p:spTgt spid="26"/>
-                                        </p:tgtEl>
-                                        <p:attrNameLst>
-                                          <p:attrName>style.visibility</p:attrName>
-                                        </p:attrNameLst>
-                                      </p:cBhvr>
-                                      <p:to>
-                                        <p:strVal val="visible"/>
-                                      </p:to>
-                                    </p:set>
-                                    <p:animEffect transition="in" filter="fade">
-                                      <p:cBhvr>
-                                        <p:cTn id="32" dur="500"/>
-                                        <p:tgtEl>
-                                          <p:spTgt spid="26"/>
-                                        </p:tgtEl>
-                                      </p:cBhvr>
-                                    </p:animEffect>
-                                  </p:childTnLst>
-                                </p:cTn>
-                              </p:par>
-                            </p:childTnLst>
-                          </p:cTn>
-                        </p:par>
-                      </p:childTnLst>
-                    </p:cTn>
-                  </p:par>
-                  <p:par>
-                    <p:cTn id="33" fill="hold">
-                      <p:stCondLst>
-                        <p:cond delay="indefinite"/>
-                      </p:stCondLst>
-                      <p:childTnLst>
-                        <p:par>
-                          <p:cTn id="34" fill="hold">
-                            <p:stCondLst>
-                              <p:cond delay="0"/>
-                            </p:stCondLst>
-                            <p:childTnLst>
-                              <p:par>
-                                <p:cTn id="35" presetID="10" presetClass="entr" presetSubtype="0" fill="hold" grpId="0" nodeType="clickEffect">
-                                  <p:stCondLst>
-                                    <p:cond delay="0"/>
-                                  </p:stCondLst>
-                                  <p:childTnLst>
-                                    <p:set>
-                                      <p:cBhvr>
-                                        <p:cTn id="36" dur="1" fill="hold">
-                                          <p:stCondLst>
-                                            <p:cond delay="0"/>
-                                          </p:stCondLst>
-                                        </p:cTn>
-                                        <p:tgtEl>
-                                          <p:spTgt spid="27"/>
-                                        </p:tgtEl>
-                                        <p:attrNameLst>
-                                          <p:attrName>style.visibility</p:attrName>
-                                        </p:attrNameLst>
-                                      </p:cBhvr>
-                                      <p:to>
-                                        <p:strVal val="visible"/>
-                                      </p:to>
-                                    </p:set>
-                                    <p:animEffect transition="in" filter="fade">
-                                      <p:cBhvr>
-                                        <p:cTn id="37" dur="500"/>
-                                        <p:tgtEl>
-                                          <p:spTgt spid="27"/>
-                                        </p:tgtEl>
-                                      </p:cBhvr>
-                                    </p:animEffect>
-                                  </p:childTnLst>
-                                </p:cTn>
-                              </p:par>
-                            </p:childTnLst>
-                          </p:cTn>
-                        </p:par>
-                      </p:childTnLst>
-                    </p:cTn>
-                  </p:par>
-                </p:childTnLst>
-              </p:cTn>
-              <p:prevCondLst>
-                <p:cond evt="onPrev" delay="0">
-                  <p:tgtEl>
-                    <p:sldTgt/>
-                  </p:tgtEl>
-                </p:cond>
-              </p:prevCondLst>
-              <p:nextCondLst>
-                <p:cond evt="onNext" delay="0">
-                  <p:tgtEl>
-                    <p:sldTgt/>
-                  </p:tgtEl>
-                </p:cond>
-              </p:nextCondLst>
-            </p:seq>
-          </p:childTnLst>
-        </p:cTn>
+        <p:cTn id="1" dur="indefinite" restart="never" nodeType="tmRoot"/>
       </p:par>
     </p:tnLst>
-    <p:bldLst>
-      <p:bldP spid="16" grpId="0" animBg="1"/>
-      <p:bldP spid="17" grpId="0" animBg="1"/>
-      <p:bldP spid="18" grpId="0" animBg="1"/>
-      <p:bldP spid="19" grpId="0" animBg="1"/>
-      <p:bldP spid="25" grpId="0" animBg="1"/>
-      <p:bldP spid="26" grpId="0" animBg="1"/>
-      <p:bldP spid="27" grpId="0" animBg="1"/>
-    </p:bldLst>
   </p:timing>
 </p:sld>
 </file>
@@ -11208,8 +10359,8 @@
         </p:nvSpPr>
         <p:spPr>
           <a:xfrm>
-            <a:off x="903110" y="203200"/>
-            <a:ext cx="10770730" cy="5959565"/>
+            <a:off x="1662964" y="963052"/>
+            <a:ext cx="8859074" cy="4136981"/>
           </a:xfrm>
           <a:noFill/>
         </p:spPr>
@@ -11260,7 +10411,7 @@
             </a:r>
             <a:r>
               <a:rPr lang="ja-JP" altLang="en-US" sz="5400" dirty="0" smtClean="0"/>
-              <a:t>基礎コーディング能力　</a:t>
+              <a:t>基礎コーディング能力</a:t>
             </a:r>
             <a:endParaRPr lang="ja-JP" altLang="en-US" sz="5400" dirty="0"/>
           </a:p>
@@ -11323,7 +10474,7 @@
         </p:nvSpPr>
         <p:spPr>
           <a:xfrm>
-            <a:off x="0" y="203200"/>
+            <a:off x="0" y="136939"/>
             <a:ext cx="12192000" cy="5959565"/>
           </a:xfrm>
           <a:noFill/>
@@ -11359,6 +10510,10 @@
               <a:rPr lang="en-US" altLang="ja-JP" sz="5400" dirty="0" smtClean="0"/>
             </a:br>
             <a:r>
+              <a:rPr lang="ja-JP" altLang="en-US" sz="2800" dirty="0"/>
+              <a:t> </a:t>
+            </a:r>
+            <a:r>
               <a:rPr lang="ja-JP" altLang="en-US" sz="2800" dirty="0" smtClean="0"/>
               <a:t>コレクション </a:t>
             </a:r>
@@ -11370,6 +10525,10 @@
               <a:rPr lang="en-US" altLang="ja-JP" sz="2800" dirty="0" smtClean="0"/>
             </a:br>
             <a:r>
+              <a:rPr lang="en-US" altLang="ja-JP" sz="2800" dirty="0" smtClean="0"/>
+              <a:t> </a:t>
+            </a:r>
+            <a:r>
               <a:rPr lang="ja-JP" altLang="en-US" sz="2800" dirty="0" smtClean="0"/>
               <a:t>配列を</a:t>
             </a:r>
@@ -11396,6 +10555,10 @@
               <a:rPr lang="en-US" altLang="ja-JP" sz="2800" dirty="0" smtClean="0"/>
             </a:br>
             <a:r>
+              <a:rPr lang="en-US" altLang="ja-JP" sz="2800" dirty="0" smtClean="0"/>
+              <a:t> </a:t>
+            </a:r>
+            <a:r>
               <a:rPr lang="ja-JP" altLang="en-US" sz="2800" dirty="0" smtClean="0"/>
               <a:t>インターフェース？</a:t>
             </a:r>
@@ -11407,6 +10570,10 @@
               <a:rPr lang="en-US" altLang="ja-JP" sz="2800" dirty="0" smtClean="0"/>
             </a:br>
             <a:r>
+              <a:rPr lang="en-US" altLang="ja-JP" sz="2800" dirty="0" smtClean="0"/>
+              <a:t> </a:t>
+            </a:r>
+            <a:r>
               <a:rPr lang="ja-JP" altLang="en-US" sz="2800" dirty="0" smtClean="0"/>
               <a:t>実態なくて何する</a:t>
             </a:r>
@@ -11433,6 +10600,10 @@
               <a:rPr lang="en-US" altLang="ja-JP" sz="2800" dirty="0" smtClean="0"/>
             </a:br>
             <a:r>
+              <a:rPr lang="en-US" altLang="ja-JP" sz="2800" dirty="0" smtClean="0"/>
+              <a:t> </a:t>
+            </a:r>
+            <a:r>
               <a:rPr lang="ja-JP" altLang="en-US" sz="2800" dirty="0" smtClean="0"/>
               <a:t>実装？</a:t>
             </a:r>
@@ -11444,6 +10615,10 @@
               <a:rPr lang="en-US" altLang="ja-JP" sz="2800" dirty="0" smtClean="0"/>
             </a:br>
             <a:r>
+              <a:rPr lang="en-US" altLang="ja-JP" sz="2800" dirty="0" smtClean="0"/>
+              <a:t> </a:t>
+            </a:r>
+            <a:r>
               <a:rPr lang="ja-JP" altLang="en-US" sz="2800" dirty="0" smtClean="0"/>
               <a:t>実績のあるコードのコピペが一番安全</a:t>
             </a:r>
@@ -11463,8 +10638,8 @@
         </p:nvSpPr>
         <p:spPr>
           <a:xfrm>
-            <a:off x="4465320" y="6479233"/>
-            <a:ext cx="8385950" cy="369332"/>
+            <a:off x="5761670" y="5955367"/>
+            <a:ext cx="8385950" cy="338554"/>
           </a:xfrm>
           <a:prstGeom prst="rect">
             <a:avLst/>
@@ -11477,22 +10652,30 @@
           <a:lstStyle/>
           <a:p>
             <a:r>
-              <a:rPr lang="ja-JP" altLang="en-US" dirty="0">
+              <a:rPr lang="ja-JP" altLang="en-US" sz="1600" dirty="0">
                 <a:hlinkClick r:id="rId2"/>
               </a:rPr>
               <a:t>https://yuchrszk.blogspot.jp/2016/06/blog-post_39.</a:t>
             </a:r>
             <a:r>
-              <a:rPr lang="ja-JP" altLang="en-US" dirty="0" smtClean="0">
+              <a:rPr lang="ja-JP" altLang="en-US" sz="1600" dirty="0" smtClean="0">
                 <a:hlinkClick r:id="rId2"/>
               </a:rPr>
               <a:t>html</a:t>
             </a:r>
             <a:r>
-              <a:rPr lang="ja-JP" altLang="en-US" dirty="0" smtClean="0"/>
-              <a:t> より</a:t>
-            </a:r>
-            <a:endParaRPr lang="ja-JP" altLang="en-US" dirty="0"/>
+              <a:rPr lang="ja-JP" altLang="en-US" sz="1600" dirty="0" smtClean="0"/>
+              <a:t> </a:t>
+            </a:r>
+            <a:r>
+              <a:rPr lang="en-US" altLang="ja-JP" sz="1600" dirty="0"/>
+              <a:t> </a:t>
+            </a:r>
+            <a:r>
+              <a:rPr lang="ja-JP" altLang="en-US" sz="1600" dirty="0" smtClean="0"/>
+              <a:t>より</a:t>
+            </a:r>
+            <a:endParaRPr lang="ja-JP" altLang="en-US" sz="1600" dirty="0"/>
           </a:p>
         </p:txBody>
       </p:sp>
@@ -11517,7 +10700,7 @@
         </p:blipFill>
         <p:spPr bwMode="auto">
           <a:xfrm>
-            <a:off x="5761670" y="1539239"/>
+            <a:off x="5761670" y="1486229"/>
             <a:ext cx="6430330" cy="4389121"/>
           </a:xfrm>
           <a:prstGeom prst="rect">
@@ -11617,7 +10800,7 @@
             </a:br>
             <a:r>
               <a:rPr lang="ja-JP" altLang="en-US" sz="2800" dirty="0" smtClean="0"/>
-              <a:t>コレクションは、データ量や用途ごとに</a:t>
+              <a:t> コレクションは、データ量や用途ごとに</a:t>
             </a:r>
             <a:r>
               <a:rPr lang="en-US" altLang="ja-JP" sz="2800" dirty="0" smtClean="0"/>
@@ -11627,6 +10810,10 @@
               <a:rPr lang="en-US" altLang="ja-JP" sz="2800" dirty="0" smtClean="0"/>
             </a:br>
             <a:r>
+              <a:rPr lang="en-US" altLang="ja-JP" sz="2800" dirty="0" smtClean="0"/>
+              <a:t> </a:t>
+            </a:r>
+            <a:r>
               <a:rPr lang="ja-JP" altLang="en-US" sz="2800" dirty="0" smtClean="0"/>
               <a:t>適切なのを選択しよう。</a:t>
             </a:r>
@@ -11639,7 +10826,7 @@
             </a:br>
             <a:r>
               <a:rPr lang="en-US" altLang="ja-JP" sz="2800" dirty="0" smtClean="0"/>
-              <a:t>(</a:t>
+              <a:t> (</a:t>
             </a:r>
             <a:r>
               <a:rPr lang="ja-JP" altLang="en-US" sz="2800" dirty="0" smtClean="0"/>
@@ -11655,7 +10842,7 @@
             </a:r>
             <a:r>
               <a:rPr lang="en-US" altLang="ja-JP" sz="2800" dirty="0" smtClean="0"/>
-              <a:t>)</a:t>
+              <a:t>) </a:t>
             </a:r>
             <a:r>
               <a:rPr lang="en-US" altLang="ja-JP" sz="2800" dirty="0"/>
@@ -11665,6 +10852,10 @@
               <a:rPr lang="en-US" altLang="ja-JP" sz="2800" dirty="0"/>
             </a:br>
             <a:r>
+              <a:rPr lang="en-US" altLang="ja-JP" sz="2800" dirty="0" smtClean="0"/>
+              <a:t> </a:t>
+            </a:r>
+            <a:r>
               <a:rPr lang="ja-JP" altLang="en-US" sz="2800" dirty="0" smtClean="0"/>
               <a:t>インターフェース？</a:t>
             </a:r>
@@ -11676,6 +10867,10 @@
               <a:rPr lang="en-US" altLang="ja-JP" sz="2800" dirty="0" smtClean="0"/>
             </a:br>
             <a:r>
+              <a:rPr lang="en-US" altLang="ja-JP" sz="2800" dirty="0" smtClean="0"/>
+              <a:t> </a:t>
+            </a:r>
+            <a:r>
               <a:rPr lang="ja-JP" altLang="en-US" sz="2800" dirty="0" smtClean="0"/>
               <a:t>使い方同じで振る舞い変えれる！</a:t>
             </a:r>
@@ -11687,6 +10882,10 @@
               <a:rPr lang="en-US" altLang="ja-JP" sz="2800" dirty="0" smtClean="0"/>
             </a:br>
             <a:r>
+              <a:rPr lang="en-US" altLang="ja-JP" sz="2800" dirty="0" smtClean="0"/>
+              <a:t> </a:t>
+            </a:r>
+            <a:r>
               <a:rPr lang="ja-JP" altLang="en-US" sz="2800" dirty="0" smtClean="0"/>
               <a:t>コピペ？</a:t>
             </a:r>
@@ -11698,12 +10897,12 @@
               <a:rPr lang="en-US" altLang="ja-JP" sz="2800" dirty="0" smtClean="0"/>
             </a:br>
             <a:r>
-              <a:rPr lang="ja-JP" altLang="en-US" sz="2800" dirty="0"/>
-              <a:t>合</a:t>
+              <a:rPr lang="en-US" altLang="ja-JP" sz="2800" dirty="0" smtClean="0"/>
+              <a:t> </a:t>
             </a:r>
             <a:r>
               <a:rPr lang="ja-JP" altLang="en-US" sz="2800" dirty="0" smtClean="0"/>
-              <a:t>ってるか確認して、メソッド化する</a:t>
+              <a:t>合ってるか確認して、メソッド化する</a:t>
             </a:r>
             <a:r>
               <a:rPr lang="en-US" altLang="ja-JP" sz="2800" dirty="0" smtClean="0"/>
@@ -11712,6 +10911,10 @@
             <a:br>
               <a:rPr lang="en-US" altLang="ja-JP" sz="2800" dirty="0" smtClean="0"/>
             </a:br>
+            <a:r>
+              <a:rPr lang="en-US" altLang="ja-JP" sz="2800" dirty="0" smtClean="0"/>
+              <a:t> </a:t>
+            </a:r>
             <a:r>
               <a:rPr lang="ja-JP" altLang="en-US" sz="2800" dirty="0" smtClean="0"/>
               <a:t>品質低かったら自分で書いた方が早い</a:t>
@@ -11735,7 +10938,7 @@
         </p:nvSpPr>
         <p:spPr>
           <a:xfrm>
-            <a:off x="4937760" y="6488668"/>
+            <a:off x="3996856" y="6499146"/>
             <a:ext cx="10306190" cy="369332"/>
           </a:xfrm>
           <a:prstGeom prst="rect">
@@ -11753,8 +10956,26 @@
                 <a:solidFill>
                   <a:srgbClr val="FFFFFF"/>
                 </a:solidFill>
-              </a:rPr>
-              <a:t>http://www.fu-collection.co.jp/SHOP/147111/149397/list.html</a:t>
+                <a:hlinkClick r:id="rId2"/>
+              </a:rPr>
+              <a:t>http://</a:t>
+            </a:r>
+            <a:r>
+              <a:rPr lang="en-US" altLang="ja-JP" dirty="0" smtClean="0">
+                <a:solidFill>
+                  <a:srgbClr val="FFFFFF"/>
+                </a:solidFill>
+                <a:hlinkClick r:id="rId2"/>
+              </a:rPr>
+              <a:t>www.fu-collection.co.jp/SHOP/147111/149397/list.html</a:t>
+            </a:r>
+            <a:r>
+              <a:rPr lang="ja-JP" altLang="en-US" dirty="0" smtClean="0">
+                <a:solidFill>
+                  <a:srgbClr val="FFFFFF"/>
+                </a:solidFill>
+              </a:rPr>
+              <a:t>　より</a:t>
             </a:r>
             <a:endParaRPr lang="ja-JP" altLang="en-US" dirty="0">
               <a:solidFill>
@@ -11773,7 +10994,7 @@
           <p:nvPr/>
         </p:nvPicPr>
         <p:blipFill>
-          <a:blip r:embed="rId2">
+          <a:blip r:embed="rId3">
             <a:extLst>
               <a:ext uri="{28A0092B-C50C-407E-A947-70E740481C1C}">
                 <a14:useLocalDpi xmlns:a14="http://schemas.microsoft.com/office/drawing/2010/main" val="0"/>
